--- a/插图.pptx
+++ b/插图.pptx
@@ -7,8 +7,10 @@
   <p:sldIdLst>
     <p:sldId id="256" r:id="rId2"/>
     <p:sldId id="257" r:id="rId3"/>
-    <p:sldId id="259" r:id="rId4"/>
-    <p:sldId id="258" r:id="rId5"/>
+    <p:sldId id="260" r:id="rId4"/>
+    <p:sldId id="261" r:id="rId5"/>
+    <p:sldId id="259" r:id="rId6"/>
+    <p:sldId id="258" r:id="rId7"/>
   </p:sldIdLst>
   <p:sldSz cx="6858000" cy="9906000" type="A4"/>
   <p:notesSz cx="6858000" cy="9144000"/>
@@ -354,10 +356,6 @@
                   <a:prstGeom prst="rect">
                     <a:avLst/>
                   </a:prstGeom>
-                  <a:noFill/>
-                  <a:ln>
-                    <a:noFill/>
-                  </a:ln>
                 </c15:spPr>
                 <c15:showLeaderLines val="1"/>
                 <c15:leaderLines>
@@ -599,23 +597,6 @@
             </a:ln>
             <a:effectLst/>
           </c:spPr>
-          <c:txPr>
-            <a:bodyPr rot="0" spcFirstLastPara="1" vertOverflow="ellipsis" vert="wordArtVertRtl" wrap="square" anchor="ctr" anchorCtr="1"/>
-            <a:lstStyle/>
-            <a:p>
-              <a:pPr>
-                <a:defRPr sz="1330" b="0" i="0" u="none" strike="noStrike" kern="1200" baseline="0">
-                  <a:solidFill>
-                    <a:schemeClr val="tx1"/>
-                  </a:solidFill>
-                  <a:latin typeface="Times New Roman" panose="02020603050405020304" pitchFamily="18" charset="0"/>
-                  <a:ea typeface="+mn-ea"/>
-                  <a:cs typeface="Times New Roman" panose="02020603050405020304" pitchFamily="18" charset="0"/>
-                </a:defRPr>
-              </a:pPr>
-              <a:endParaRPr lang="zh-CN"/>
-            </a:p>
-          </c:txPr>
         </c:title>
         <c:numFmt formatCode="General" sourceLinked="1"/>
         <c:majorTickMark val="none"/>
@@ -694,566 +675,10 @@
       <a:endParaRPr lang="zh-CN"/>
     </a:p>
   </c:txPr>
-  <c:externalData r:id="rId3">
+  <c:externalData r:id="rId1">
     <c:autoUpdate val="0"/>
   </c:externalData>
 </c:chartSpace>
-</file>
-
-<file path=ppt/charts/colors1.xml><?xml version="1.0" encoding="utf-8"?>
-<cs:colorStyle xmlns:cs="http://schemas.microsoft.com/office/drawing/2012/chartStyle" xmlns:a="http://schemas.openxmlformats.org/drawingml/2006/main" meth="cycle" id="10">
-  <a:schemeClr val="accent1"/>
-  <a:schemeClr val="accent2"/>
-  <a:schemeClr val="accent3"/>
-  <a:schemeClr val="accent4"/>
-  <a:schemeClr val="accent5"/>
-  <a:schemeClr val="accent6"/>
-  <cs:variation/>
-  <cs:variation>
-    <a:lumMod val="60000"/>
-  </cs:variation>
-  <cs:variation>
-    <a:lumMod val="80000"/>
-    <a:lumOff val="20000"/>
-  </cs:variation>
-  <cs:variation>
-    <a:lumMod val="80000"/>
-  </cs:variation>
-  <cs:variation>
-    <a:lumMod val="60000"/>
-    <a:lumOff val="40000"/>
-  </cs:variation>
-  <cs:variation>
-    <a:lumMod val="50000"/>
-  </cs:variation>
-  <cs:variation>
-    <a:lumMod val="70000"/>
-    <a:lumOff val="30000"/>
-  </cs:variation>
-  <cs:variation>
-    <a:lumMod val="70000"/>
-  </cs:variation>
-  <cs:variation>
-    <a:lumMod val="50000"/>
-    <a:lumOff val="50000"/>
-  </cs:variation>
-</cs:colorStyle>
-</file>
-
-<file path=ppt/charts/style1.xml><?xml version="1.0" encoding="utf-8"?>
-<cs:chartStyle xmlns:cs="http://schemas.microsoft.com/office/drawing/2012/chartStyle" xmlns:a="http://schemas.openxmlformats.org/drawingml/2006/main" id="227">
-  <cs:axisTitle>
-    <cs:lnRef idx="0"/>
-    <cs:fillRef idx="0"/>
-    <cs:effectRef idx="0"/>
-    <cs:fontRef idx="minor">
-      <a:schemeClr val="tx1">
-        <a:lumMod val="65000"/>
-        <a:lumOff val="35000"/>
-      </a:schemeClr>
-    </cs:fontRef>
-    <cs:defRPr sz="1330" kern="1200"/>
-  </cs:axisTitle>
-  <cs:categoryAxis>
-    <cs:lnRef idx="0"/>
-    <cs:fillRef idx="0"/>
-    <cs:effectRef idx="0"/>
-    <cs:fontRef idx="minor">
-      <a:schemeClr val="tx1">
-        <a:lumMod val="65000"/>
-        <a:lumOff val="35000"/>
-      </a:schemeClr>
-    </cs:fontRef>
-    <cs:spPr>
-      <a:ln w="9525" cap="flat" cmpd="sng" algn="ctr">
-        <a:solidFill>
-          <a:schemeClr val="tx1">
-            <a:lumMod val="15000"/>
-            <a:lumOff val="85000"/>
-          </a:schemeClr>
-        </a:solidFill>
-        <a:round/>
-      </a:ln>
-    </cs:spPr>
-    <cs:defRPr sz="1197" kern="1200"/>
-  </cs:categoryAxis>
-  <cs:chartArea mods="allowNoFillOverride allowNoLineOverride">
-    <cs:lnRef idx="0"/>
-    <cs:fillRef idx="0"/>
-    <cs:effectRef idx="0"/>
-    <cs:fontRef idx="minor">
-      <a:schemeClr val="tx1"/>
-    </cs:fontRef>
-    <cs:spPr>
-      <a:solidFill>
-        <a:schemeClr val="bg1"/>
-      </a:solidFill>
-      <a:ln w="9525" cap="flat" cmpd="sng" algn="ctr">
-        <a:solidFill>
-          <a:schemeClr val="tx1">
-            <a:lumMod val="15000"/>
-            <a:lumOff val="85000"/>
-          </a:schemeClr>
-        </a:solidFill>
-        <a:round/>
-      </a:ln>
-    </cs:spPr>
-    <cs:defRPr sz="1330" kern="1200"/>
-  </cs:chartArea>
-  <cs:dataLabel>
-    <cs:lnRef idx="0"/>
-    <cs:fillRef idx="0"/>
-    <cs:effectRef idx="0"/>
-    <cs:fontRef idx="minor">
-      <a:schemeClr val="tx1">
-        <a:lumMod val="75000"/>
-        <a:lumOff val="25000"/>
-      </a:schemeClr>
-    </cs:fontRef>
-    <cs:defRPr sz="1197" kern="1200"/>
-  </cs:dataLabel>
-  <cs:dataLabelCallout>
-    <cs:lnRef idx="0"/>
-    <cs:fillRef idx="0"/>
-    <cs:effectRef idx="0"/>
-    <cs:fontRef idx="minor">
-      <a:schemeClr val="dk1">
-        <a:lumMod val="65000"/>
-        <a:lumOff val="35000"/>
-      </a:schemeClr>
-    </cs:fontRef>
-    <cs:spPr>
-      <a:solidFill>
-        <a:schemeClr val="lt1"/>
-      </a:solidFill>
-      <a:ln>
-        <a:solidFill>
-          <a:schemeClr val="dk1">
-            <a:lumMod val="25000"/>
-            <a:lumOff val="75000"/>
-          </a:schemeClr>
-        </a:solidFill>
-      </a:ln>
-    </cs:spPr>
-    <cs:defRPr sz="1197" kern="1200"/>
-    <cs:bodyPr rot="0" spcFirstLastPara="1" vertOverflow="clip" horzOverflow="clip" vert="horz" wrap="square" lIns="36576" tIns="18288" rIns="36576" bIns="18288" anchor="ctr" anchorCtr="1">
-      <a:spAutoFit/>
-    </cs:bodyPr>
-  </cs:dataLabelCallout>
-  <cs:dataPoint>
-    <cs:lnRef idx="0"/>
-    <cs:fillRef idx="1">
-      <cs:styleClr val="auto"/>
-    </cs:fillRef>
-    <cs:effectRef idx="0"/>
-    <cs:fontRef idx="minor">
-      <a:schemeClr val="tx1"/>
-    </cs:fontRef>
-    <cs:spPr>
-      <a:solidFill>
-        <a:schemeClr val="phClr"/>
-      </a:solidFill>
-    </cs:spPr>
-  </cs:dataPoint>
-  <cs:dataPoint3D>
-    <cs:lnRef idx="0"/>
-    <cs:fillRef idx="1">
-      <cs:styleClr val="auto"/>
-    </cs:fillRef>
-    <cs:effectRef idx="0"/>
-    <cs:fontRef idx="minor">
-      <a:schemeClr val="tx1"/>
-    </cs:fontRef>
-    <cs:spPr>
-      <a:solidFill>
-        <a:schemeClr val="phClr"/>
-      </a:solidFill>
-    </cs:spPr>
-  </cs:dataPoint3D>
-  <cs:dataPointLine>
-    <cs:lnRef idx="0">
-      <cs:styleClr val="auto"/>
-    </cs:lnRef>
-    <cs:fillRef idx="1"/>
-    <cs:effectRef idx="0"/>
-    <cs:fontRef idx="minor">
-      <a:schemeClr val="tx1"/>
-    </cs:fontRef>
-    <cs:spPr>
-      <a:ln w="28575" cap="rnd">
-        <a:solidFill>
-          <a:schemeClr val="phClr"/>
-        </a:solidFill>
-        <a:round/>
-      </a:ln>
-    </cs:spPr>
-  </cs:dataPointLine>
-  <cs:dataPointMarker>
-    <cs:lnRef idx="0">
-      <cs:styleClr val="auto"/>
-    </cs:lnRef>
-    <cs:fillRef idx="1">
-      <cs:styleClr val="auto"/>
-    </cs:fillRef>
-    <cs:effectRef idx="0"/>
-    <cs:fontRef idx="minor">
-      <a:schemeClr val="tx1"/>
-    </cs:fontRef>
-    <cs:spPr>
-      <a:solidFill>
-        <a:schemeClr val="phClr"/>
-      </a:solidFill>
-      <a:ln w="9525">
-        <a:solidFill>
-          <a:schemeClr val="phClr"/>
-        </a:solidFill>
-      </a:ln>
-    </cs:spPr>
-  </cs:dataPointMarker>
-  <cs:dataPointMarkerLayout symbol="circle" size="5"/>
-  <cs:dataPointWireframe>
-    <cs:lnRef idx="0">
-      <cs:styleClr val="auto"/>
-    </cs:lnRef>
-    <cs:fillRef idx="1"/>
-    <cs:effectRef idx="0"/>
-    <cs:fontRef idx="minor">
-      <a:schemeClr val="tx1"/>
-    </cs:fontRef>
-    <cs:spPr>
-      <a:ln w="9525" cap="rnd">
-        <a:solidFill>
-          <a:schemeClr val="phClr"/>
-        </a:solidFill>
-        <a:round/>
-      </a:ln>
-    </cs:spPr>
-  </cs:dataPointWireframe>
-  <cs:dataTable>
-    <cs:lnRef idx="0"/>
-    <cs:fillRef idx="0"/>
-    <cs:effectRef idx="0"/>
-    <cs:fontRef idx="minor">
-      <a:schemeClr val="tx1">
-        <a:lumMod val="65000"/>
-        <a:lumOff val="35000"/>
-      </a:schemeClr>
-    </cs:fontRef>
-    <cs:spPr>
-      <a:noFill/>
-      <a:ln w="9525" cap="flat" cmpd="sng" algn="ctr">
-        <a:solidFill>
-          <a:schemeClr val="tx1">
-            <a:lumMod val="15000"/>
-            <a:lumOff val="85000"/>
-          </a:schemeClr>
-        </a:solidFill>
-        <a:round/>
-      </a:ln>
-    </cs:spPr>
-    <cs:defRPr sz="1197" kern="1200"/>
-  </cs:dataTable>
-  <cs:downBar>
-    <cs:lnRef idx="0"/>
-    <cs:fillRef idx="0"/>
-    <cs:effectRef idx="0"/>
-    <cs:fontRef idx="minor">
-      <a:schemeClr val="dk1"/>
-    </cs:fontRef>
-    <cs:spPr>
-      <a:solidFill>
-        <a:schemeClr val="dk1">
-          <a:lumMod val="65000"/>
-          <a:lumOff val="35000"/>
-        </a:schemeClr>
-      </a:solidFill>
-      <a:ln w="9525">
-        <a:solidFill>
-          <a:schemeClr val="tx1">
-            <a:lumMod val="65000"/>
-            <a:lumOff val="35000"/>
-          </a:schemeClr>
-        </a:solidFill>
-      </a:ln>
-    </cs:spPr>
-  </cs:downBar>
-  <cs:dropLine>
-    <cs:lnRef idx="0"/>
-    <cs:fillRef idx="0"/>
-    <cs:effectRef idx="0"/>
-    <cs:fontRef idx="minor">
-      <a:schemeClr val="tx1"/>
-    </cs:fontRef>
-    <cs:spPr>
-      <a:ln w="9525" cap="flat" cmpd="sng" algn="ctr">
-        <a:solidFill>
-          <a:schemeClr val="tx1">
-            <a:lumMod val="35000"/>
-            <a:lumOff val="65000"/>
-          </a:schemeClr>
-        </a:solidFill>
-        <a:round/>
-      </a:ln>
-    </cs:spPr>
-  </cs:dropLine>
-  <cs:errorBar>
-    <cs:lnRef idx="0"/>
-    <cs:fillRef idx="0"/>
-    <cs:effectRef idx="0"/>
-    <cs:fontRef idx="minor">
-      <a:schemeClr val="tx1"/>
-    </cs:fontRef>
-    <cs:spPr>
-      <a:ln w="9525" cap="flat" cmpd="sng" algn="ctr">
-        <a:solidFill>
-          <a:schemeClr val="tx1">
-            <a:lumMod val="65000"/>
-            <a:lumOff val="35000"/>
-          </a:schemeClr>
-        </a:solidFill>
-        <a:round/>
-      </a:ln>
-    </cs:spPr>
-  </cs:errorBar>
-  <cs:floor>
-    <cs:lnRef idx="0"/>
-    <cs:fillRef idx="0"/>
-    <cs:effectRef idx="0"/>
-    <cs:fontRef idx="minor">
-      <a:schemeClr val="tx1"/>
-    </cs:fontRef>
-    <cs:spPr>
-      <a:noFill/>
-      <a:ln>
-        <a:noFill/>
-      </a:ln>
-    </cs:spPr>
-  </cs:floor>
-  <cs:gridlineMajor>
-    <cs:lnRef idx="0"/>
-    <cs:fillRef idx="0"/>
-    <cs:effectRef idx="0"/>
-    <cs:fontRef idx="minor">
-      <a:schemeClr val="tx1"/>
-    </cs:fontRef>
-    <cs:spPr>
-      <a:ln w="9525" cap="flat" cmpd="sng" algn="ctr">
-        <a:solidFill>
-          <a:schemeClr val="tx1">
-            <a:lumMod val="15000"/>
-            <a:lumOff val="85000"/>
-          </a:schemeClr>
-        </a:solidFill>
-        <a:round/>
-      </a:ln>
-    </cs:spPr>
-  </cs:gridlineMajor>
-  <cs:gridlineMinor>
-    <cs:lnRef idx="0"/>
-    <cs:fillRef idx="0"/>
-    <cs:effectRef idx="0"/>
-    <cs:fontRef idx="minor">
-      <a:schemeClr val="tx1"/>
-    </cs:fontRef>
-    <cs:spPr>
-      <a:ln w="9525" cap="flat" cmpd="sng" algn="ctr">
-        <a:solidFill>
-          <a:schemeClr val="tx1">
-            <a:lumMod val="5000"/>
-            <a:lumOff val="95000"/>
-          </a:schemeClr>
-        </a:solidFill>
-        <a:round/>
-      </a:ln>
-    </cs:spPr>
-  </cs:gridlineMinor>
-  <cs:hiLoLine>
-    <cs:lnRef idx="0"/>
-    <cs:fillRef idx="0"/>
-    <cs:effectRef idx="0"/>
-    <cs:fontRef idx="minor">
-      <a:schemeClr val="tx1"/>
-    </cs:fontRef>
-    <cs:spPr>
-      <a:ln w="9525" cap="flat" cmpd="sng" algn="ctr">
-        <a:solidFill>
-          <a:schemeClr val="tx1">
-            <a:lumMod val="75000"/>
-            <a:lumOff val="25000"/>
-          </a:schemeClr>
-        </a:solidFill>
-        <a:round/>
-      </a:ln>
-    </cs:spPr>
-  </cs:hiLoLine>
-  <cs:leaderLine>
-    <cs:lnRef idx="0"/>
-    <cs:fillRef idx="0"/>
-    <cs:effectRef idx="0"/>
-    <cs:fontRef idx="minor">
-      <a:schemeClr val="tx1"/>
-    </cs:fontRef>
-    <cs:spPr>
-      <a:ln w="9525" cap="flat" cmpd="sng" algn="ctr">
-        <a:solidFill>
-          <a:schemeClr val="tx1">
-            <a:lumMod val="35000"/>
-            <a:lumOff val="65000"/>
-          </a:schemeClr>
-        </a:solidFill>
-        <a:round/>
-      </a:ln>
-    </cs:spPr>
-  </cs:leaderLine>
-  <cs:legend>
-    <cs:lnRef idx="0"/>
-    <cs:fillRef idx="0"/>
-    <cs:effectRef idx="0"/>
-    <cs:fontRef idx="minor">
-      <a:schemeClr val="tx1">
-        <a:lumMod val="65000"/>
-        <a:lumOff val="35000"/>
-      </a:schemeClr>
-    </cs:fontRef>
-    <cs:defRPr sz="1197" kern="1200"/>
-  </cs:legend>
-  <cs:plotArea mods="allowNoFillOverride allowNoLineOverride">
-    <cs:lnRef idx="0"/>
-    <cs:fillRef idx="0"/>
-    <cs:effectRef idx="0"/>
-    <cs:fontRef idx="minor">
-      <a:schemeClr val="tx1"/>
-    </cs:fontRef>
-  </cs:plotArea>
-  <cs:plotArea3D mods="allowNoFillOverride allowNoLineOverride">
-    <cs:lnRef idx="0"/>
-    <cs:fillRef idx="0"/>
-    <cs:effectRef idx="0"/>
-    <cs:fontRef idx="minor">
-      <a:schemeClr val="tx1"/>
-    </cs:fontRef>
-  </cs:plotArea3D>
-  <cs:seriesAxis>
-    <cs:lnRef idx="0"/>
-    <cs:fillRef idx="0"/>
-    <cs:effectRef idx="0"/>
-    <cs:fontRef idx="minor">
-      <a:schemeClr val="tx1">
-        <a:lumMod val="65000"/>
-        <a:lumOff val="35000"/>
-      </a:schemeClr>
-    </cs:fontRef>
-    <cs:defRPr sz="1197" kern="1200"/>
-  </cs:seriesAxis>
-  <cs:seriesLine>
-    <cs:lnRef idx="0"/>
-    <cs:fillRef idx="0"/>
-    <cs:effectRef idx="0"/>
-    <cs:fontRef idx="minor">
-      <a:schemeClr val="tx1"/>
-    </cs:fontRef>
-    <cs:spPr>
-      <a:ln w="9525" cap="flat" cmpd="sng" algn="ctr">
-        <a:solidFill>
-          <a:schemeClr val="tx1">
-            <a:lumMod val="35000"/>
-            <a:lumOff val="65000"/>
-          </a:schemeClr>
-        </a:solidFill>
-        <a:round/>
-      </a:ln>
-    </cs:spPr>
-  </cs:seriesLine>
-  <cs:title>
-    <cs:lnRef idx="0"/>
-    <cs:fillRef idx="0"/>
-    <cs:effectRef idx="0"/>
-    <cs:fontRef idx="minor">
-      <a:schemeClr val="tx1">
-        <a:lumMod val="65000"/>
-        <a:lumOff val="35000"/>
-      </a:schemeClr>
-    </cs:fontRef>
-    <cs:defRPr sz="1862" b="0" kern="1200" spc="0" baseline="0"/>
-  </cs:title>
-  <cs:trendline>
-    <cs:lnRef idx="0">
-      <cs:styleClr val="auto"/>
-    </cs:lnRef>
-    <cs:fillRef idx="0"/>
-    <cs:effectRef idx="0"/>
-    <cs:fontRef idx="minor">
-      <a:schemeClr val="tx1"/>
-    </cs:fontRef>
-    <cs:spPr>
-      <a:ln w="19050" cap="rnd">
-        <a:solidFill>
-          <a:schemeClr val="phClr"/>
-        </a:solidFill>
-        <a:prstDash val="sysDot"/>
-      </a:ln>
-    </cs:spPr>
-  </cs:trendline>
-  <cs:trendlineLabel>
-    <cs:lnRef idx="0"/>
-    <cs:fillRef idx="0"/>
-    <cs:effectRef idx="0"/>
-    <cs:fontRef idx="minor">
-      <a:schemeClr val="tx1">
-        <a:lumMod val="65000"/>
-        <a:lumOff val="35000"/>
-      </a:schemeClr>
-    </cs:fontRef>
-    <cs:defRPr sz="1197" kern="1200"/>
-  </cs:trendlineLabel>
-  <cs:upBar>
-    <cs:lnRef idx="0"/>
-    <cs:fillRef idx="0"/>
-    <cs:effectRef idx="0"/>
-    <cs:fontRef idx="minor">
-      <a:schemeClr val="dk1"/>
-    </cs:fontRef>
-    <cs:spPr>
-      <a:solidFill>
-        <a:schemeClr val="lt1"/>
-      </a:solidFill>
-      <a:ln w="9525">
-        <a:solidFill>
-          <a:schemeClr val="tx1">
-            <a:lumMod val="15000"/>
-            <a:lumOff val="85000"/>
-          </a:schemeClr>
-        </a:solidFill>
-      </a:ln>
-    </cs:spPr>
-  </cs:upBar>
-  <cs:valueAxis>
-    <cs:lnRef idx="0"/>
-    <cs:fillRef idx="0"/>
-    <cs:effectRef idx="0"/>
-    <cs:fontRef idx="minor">
-      <a:schemeClr val="tx1">
-        <a:lumMod val="65000"/>
-        <a:lumOff val="35000"/>
-      </a:schemeClr>
-    </cs:fontRef>
-    <cs:defRPr sz="1197" kern="1200"/>
-  </cs:valueAxis>
-  <cs:wall>
-    <cs:lnRef idx="0"/>
-    <cs:fillRef idx="0"/>
-    <cs:effectRef idx="0"/>
-    <cs:fontRef idx="minor">
-      <a:schemeClr val="tx1"/>
-    </cs:fontRef>
-    <cs:spPr>
-      <a:noFill/>
-      <a:ln>
-        <a:noFill/>
-      </a:ln>
-    </cs:spPr>
-  </cs:wall>
-</cs:chartStyle>
 </file>
 
 <file path=ppt/slideLayouts/slideLayout1.xml><?xml version="1.0" encoding="utf-8"?>
@@ -1387,7 +812,7 @@
           <a:p>
             <a:fld id="{AC1DC9CC-61D3-4AD0-8A6B-AA4C898DCF5B}" type="datetimeFigureOut">
               <a:rPr lang="zh-CN" altLang="en-US" smtClean="0"/>
-              <a:t>2022/3/21</a:t>
+              <a:t>2022/3/23</a:t>
             </a:fld>
             <a:endParaRPr lang="zh-CN" altLang="en-US"/>
           </a:p>
@@ -1557,7 +982,7 @@
           <a:p>
             <a:fld id="{AC1DC9CC-61D3-4AD0-8A6B-AA4C898DCF5B}" type="datetimeFigureOut">
               <a:rPr lang="zh-CN" altLang="en-US" smtClean="0"/>
-              <a:t>2022/3/21</a:t>
+              <a:t>2022/3/23</a:t>
             </a:fld>
             <a:endParaRPr lang="zh-CN" altLang="en-US"/>
           </a:p>
@@ -1737,7 +1162,7 @@
           <a:p>
             <a:fld id="{AC1DC9CC-61D3-4AD0-8A6B-AA4C898DCF5B}" type="datetimeFigureOut">
               <a:rPr lang="zh-CN" altLang="en-US" smtClean="0"/>
-              <a:t>2022/3/21</a:t>
+              <a:t>2022/3/23</a:t>
             </a:fld>
             <a:endParaRPr lang="zh-CN" altLang="en-US"/>
           </a:p>
@@ -1907,7 +1332,7 @@
           <a:p>
             <a:fld id="{AC1DC9CC-61D3-4AD0-8A6B-AA4C898DCF5B}" type="datetimeFigureOut">
               <a:rPr lang="zh-CN" altLang="en-US" smtClean="0"/>
-              <a:t>2022/3/21</a:t>
+              <a:t>2022/3/23</a:t>
             </a:fld>
             <a:endParaRPr lang="zh-CN" altLang="en-US"/>
           </a:p>
@@ -2151,7 +1576,7 @@
           <a:p>
             <a:fld id="{AC1DC9CC-61D3-4AD0-8A6B-AA4C898DCF5B}" type="datetimeFigureOut">
               <a:rPr lang="zh-CN" altLang="en-US" smtClean="0"/>
-              <a:t>2022/3/21</a:t>
+              <a:t>2022/3/23</a:t>
             </a:fld>
             <a:endParaRPr lang="zh-CN" altLang="en-US"/>
           </a:p>
@@ -2383,7 +1808,7 @@
           <a:p>
             <a:fld id="{AC1DC9CC-61D3-4AD0-8A6B-AA4C898DCF5B}" type="datetimeFigureOut">
               <a:rPr lang="zh-CN" altLang="en-US" smtClean="0"/>
-              <a:t>2022/3/21</a:t>
+              <a:t>2022/3/23</a:t>
             </a:fld>
             <a:endParaRPr lang="zh-CN" altLang="en-US"/>
           </a:p>
@@ -2750,7 +2175,7 @@
           <a:p>
             <a:fld id="{AC1DC9CC-61D3-4AD0-8A6B-AA4C898DCF5B}" type="datetimeFigureOut">
               <a:rPr lang="zh-CN" altLang="en-US" smtClean="0"/>
-              <a:t>2022/3/21</a:t>
+              <a:t>2022/3/23</a:t>
             </a:fld>
             <a:endParaRPr lang="zh-CN" altLang="en-US"/>
           </a:p>
@@ -2868,7 +2293,7 @@
           <a:p>
             <a:fld id="{AC1DC9CC-61D3-4AD0-8A6B-AA4C898DCF5B}" type="datetimeFigureOut">
               <a:rPr lang="zh-CN" altLang="en-US" smtClean="0"/>
-              <a:t>2022/3/21</a:t>
+              <a:t>2022/3/23</a:t>
             </a:fld>
             <a:endParaRPr lang="zh-CN" altLang="en-US"/>
           </a:p>
@@ -2963,7 +2388,7 @@
           <a:p>
             <a:fld id="{AC1DC9CC-61D3-4AD0-8A6B-AA4C898DCF5B}" type="datetimeFigureOut">
               <a:rPr lang="zh-CN" altLang="en-US" smtClean="0"/>
-              <a:t>2022/3/21</a:t>
+              <a:t>2022/3/23</a:t>
             </a:fld>
             <a:endParaRPr lang="zh-CN" altLang="en-US"/>
           </a:p>
@@ -3240,7 +2665,7 @@
           <a:p>
             <a:fld id="{AC1DC9CC-61D3-4AD0-8A6B-AA4C898DCF5B}" type="datetimeFigureOut">
               <a:rPr lang="zh-CN" altLang="en-US" smtClean="0"/>
-              <a:t>2022/3/21</a:t>
+              <a:t>2022/3/23</a:t>
             </a:fld>
             <a:endParaRPr lang="zh-CN" altLang="en-US"/>
           </a:p>
@@ -3497,7 +2922,7 @@
           <a:p>
             <a:fld id="{AC1DC9CC-61D3-4AD0-8A6B-AA4C898DCF5B}" type="datetimeFigureOut">
               <a:rPr lang="zh-CN" altLang="en-US" smtClean="0"/>
-              <a:t>2022/3/21</a:t>
+              <a:t>2022/3/23</a:t>
             </a:fld>
             <a:endParaRPr lang="zh-CN" altLang="en-US"/>
           </a:p>
@@ -3710,7 +3135,7 @@
           <a:p>
             <a:fld id="{AC1DC9CC-61D3-4AD0-8A6B-AA4C898DCF5B}" type="datetimeFigureOut">
               <a:rPr lang="zh-CN" altLang="en-US" smtClean="0"/>
-              <a:t>2022/3/21</a:t>
+              <a:t>2022/3/23</a:t>
             </a:fld>
             <a:endParaRPr lang="zh-CN" altLang="en-US"/>
           </a:p>
@@ -9433,6 +8858,1127 @@
           <a:chExt cx="0" cy="0"/>
         </a:xfrm>
       </p:grpSpPr>
+      <p:sp>
+        <p:nvSpPr>
+          <p:cNvPr id="4" name="矩形: 圆角 3">
+            <a:extLst>
+              <a:ext uri="{FF2B5EF4-FFF2-40B4-BE49-F238E27FC236}">
+                <a16:creationId xmlns:a16="http://schemas.microsoft.com/office/drawing/2014/main" id="{E72B8BB6-5E96-481F-8351-FBAC7DC12649}"/>
+              </a:ext>
+            </a:extLst>
+          </p:cNvPr>
+          <p:cNvSpPr/>
+          <p:nvPr/>
+        </p:nvSpPr>
+        <p:spPr>
+          <a:xfrm>
+            <a:off x="578858" y="1340014"/>
+            <a:ext cx="5700283" cy="431636"/>
+          </a:xfrm>
+          <a:prstGeom prst="roundRect">
+            <a:avLst/>
+          </a:prstGeom>
+          <a:solidFill>
+            <a:schemeClr val="bg1"/>
+          </a:solidFill>
+          <a:ln w="28575">
+            <a:solidFill>
+              <a:schemeClr val="tx1"/>
+            </a:solidFill>
+            <a:prstDash val="sysDash"/>
+          </a:ln>
+        </p:spPr>
+        <p:style>
+          <a:lnRef idx="2">
+            <a:schemeClr val="accent1">
+              <a:shade val="50000"/>
+            </a:schemeClr>
+          </a:lnRef>
+          <a:fillRef idx="1">
+            <a:schemeClr val="accent1"/>
+          </a:fillRef>
+          <a:effectRef idx="0">
+            <a:schemeClr val="accent1"/>
+          </a:effectRef>
+          <a:fontRef idx="minor">
+            <a:schemeClr val="lt1"/>
+          </a:fontRef>
+        </p:style>
+        <p:txBody>
+          <a:bodyPr rtlCol="0" anchor="ctr"/>
+          <a:lstStyle/>
+          <a:p>
+            <a:pPr algn="ctr"/>
+            <a:r>
+              <a:rPr lang="zh-CN" altLang="en-US" b="1" dirty="0">
+                <a:solidFill>
+                  <a:schemeClr val="tx1"/>
+                </a:solidFill>
+                <a:latin typeface="微软雅黑" panose="020B0503020204020204" pitchFamily="34" charset="-122"/>
+                <a:ea typeface="微软雅黑" panose="020B0503020204020204" pitchFamily="34" charset="-122"/>
+              </a:rPr>
+              <a:t>确定性重放实现方法</a:t>
+            </a:r>
+          </a:p>
+        </p:txBody>
+      </p:sp>
+      <p:sp>
+        <p:nvSpPr>
+          <p:cNvPr id="5" name="矩形: 圆角 4">
+            <a:extLst>
+              <a:ext uri="{FF2B5EF4-FFF2-40B4-BE49-F238E27FC236}">
+                <a16:creationId xmlns:a16="http://schemas.microsoft.com/office/drawing/2014/main" id="{338D964E-8805-4D43-B569-C20D0F23CC53}"/>
+              </a:ext>
+            </a:extLst>
+          </p:cNvPr>
+          <p:cNvSpPr/>
+          <p:nvPr/>
+        </p:nvSpPr>
+        <p:spPr>
+          <a:xfrm>
+            <a:off x="578855" y="2209964"/>
+            <a:ext cx="2792993" cy="3130386"/>
+          </a:xfrm>
+          <a:prstGeom prst="roundRect">
+            <a:avLst>
+              <a:gd name="adj" fmla="val 11893"/>
+            </a:avLst>
+          </a:prstGeom>
+          <a:solidFill>
+            <a:schemeClr val="bg1"/>
+          </a:solidFill>
+          <a:ln w="28575">
+            <a:solidFill>
+              <a:schemeClr val="tx1"/>
+            </a:solidFill>
+            <a:prstDash val="solid"/>
+          </a:ln>
+        </p:spPr>
+        <p:style>
+          <a:lnRef idx="2">
+            <a:schemeClr val="accent1">
+              <a:shade val="50000"/>
+            </a:schemeClr>
+          </a:lnRef>
+          <a:fillRef idx="1">
+            <a:schemeClr val="accent1"/>
+          </a:fillRef>
+          <a:effectRef idx="0">
+            <a:schemeClr val="accent1"/>
+          </a:effectRef>
+          <a:fontRef idx="minor">
+            <a:schemeClr val="lt1"/>
+          </a:fontRef>
+        </p:style>
+        <p:txBody>
+          <a:bodyPr rtlCol="0" anchor="ctr"/>
+          <a:lstStyle/>
+          <a:p>
+            <a:pPr algn="ctr"/>
+            <a:endParaRPr lang="zh-CN" altLang="en-US" b="1" dirty="0">
+              <a:solidFill>
+                <a:schemeClr val="tx1"/>
+              </a:solidFill>
+              <a:latin typeface="微软雅黑" panose="020B0503020204020204" pitchFamily="34" charset="-122"/>
+              <a:ea typeface="微软雅黑" panose="020B0503020204020204" pitchFamily="34" charset="-122"/>
+            </a:endParaRPr>
+          </a:p>
+        </p:txBody>
+      </p:sp>
+      <p:sp>
+        <p:nvSpPr>
+          <p:cNvPr id="7" name="矩形: 圆角 6">
+            <a:extLst>
+              <a:ext uri="{FF2B5EF4-FFF2-40B4-BE49-F238E27FC236}">
+                <a16:creationId xmlns:a16="http://schemas.microsoft.com/office/drawing/2014/main" id="{E0797B70-AB10-484A-95B8-2472E0D132A5}"/>
+              </a:ext>
+            </a:extLst>
+          </p:cNvPr>
+          <p:cNvSpPr/>
+          <p:nvPr/>
+        </p:nvSpPr>
+        <p:spPr>
+          <a:xfrm>
+            <a:off x="801107" y="2613283"/>
+            <a:ext cx="2297693" cy="431636"/>
+          </a:xfrm>
+          <a:prstGeom prst="roundRect">
+            <a:avLst/>
+          </a:prstGeom>
+          <a:solidFill>
+            <a:schemeClr val="bg1"/>
+          </a:solidFill>
+          <a:ln w="28575">
+            <a:solidFill>
+              <a:schemeClr val="tx1"/>
+            </a:solidFill>
+            <a:prstDash val="sysDash"/>
+          </a:ln>
+        </p:spPr>
+        <p:style>
+          <a:lnRef idx="2">
+            <a:schemeClr val="accent1">
+              <a:shade val="50000"/>
+            </a:schemeClr>
+          </a:lnRef>
+          <a:fillRef idx="1">
+            <a:schemeClr val="accent1"/>
+          </a:fillRef>
+          <a:effectRef idx="0">
+            <a:schemeClr val="accent1"/>
+          </a:effectRef>
+          <a:fontRef idx="minor">
+            <a:schemeClr val="lt1"/>
+          </a:fontRef>
+        </p:style>
+        <p:txBody>
+          <a:bodyPr rtlCol="0" anchor="ctr"/>
+          <a:lstStyle/>
+          <a:p>
+            <a:pPr algn="ctr"/>
+            <a:r>
+              <a:rPr lang="zh-CN" altLang="en-US" b="1" dirty="0">
+                <a:solidFill>
+                  <a:schemeClr val="tx1"/>
+                </a:solidFill>
+                <a:latin typeface="微软雅黑" panose="020B0503020204020204" pitchFamily="34" charset="-122"/>
+                <a:ea typeface="微软雅黑" panose="020B0503020204020204" pitchFamily="34" charset="-122"/>
+              </a:rPr>
+              <a:t>计数器</a:t>
+            </a:r>
+          </a:p>
+        </p:txBody>
+      </p:sp>
+      <p:sp>
+        <p:nvSpPr>
+          <p:cNvPr id="8" name="文本框 7">
+            <a:extLst>
+              <a:ext uri="{FF2B5EF4-FFF2-40B4-BE49-F238E27FC236}">
+                <a16:creationId xmlns:a16="http://schemas.microsoft.com/office/drawing/2014/main" id="{EBD6C321-46EA-4138-A09B-D70980D774F6}"/>
+              </a:ext>
+            </a:extLst>
+          </p:cNvPr>
+          <p:cNvSpPr txBox="1"/>
+          <p:nvPr/>
+        </p:nvSpPr>
+        <p:spPr>
+          <a:xfrm>
+            <a:off x="578855" y="2117442"/>
+            <a:ext cx="2792993" cy="403508"/>
+          </a:xfrm>
+          <a:prstGeom prst="rect">
+            <a:avLst/>
+          </a:prstGeom>
+          <a:solidFill>
+            <a:schemeClr val="tx1"/>
+          </a:solidFill>
+          <a:ln>
+            <a:solidFill>
+              <a:schemeClr val="tx1"/>
+            </a:solidFill>
+          </a:ln>
+        </p:spPr>
+        <p:txBody>
+          <a:bodyPr wrap="square">
+            <a:spAutoFit/>
+          </a:bodyPr>
+          <a:lstStyle/>
+          <a:p>
+            <a:r>
+              <a:rPr lang="zh-CN" altLang="en-US" sz="2022" b="1" dirty="0">
+                <a:solidFill>
+                  <a:schemeClr val="bg1"/>
+                </a:solidFill>
+                <a:latin typeface="黑体" panose="02010609060101010101" pitchFamily="49" charset="-122"/>
+                <a:ea typeface="黑体" panose="02010609060101010101" pitchFamily="49" charset="-122"/>
+              </a:rPr>
+              <a:t>基于硬件</a:t>
+            </a:r>
+          </a:p>
+        </p:txBody>
+      </p:sp>
+      <p:sp>
+        <p:nvSpPr>
+          <p:cNvPr id="10" name="矩形: 圆角 9">
+            <a:extLst>
+              <a:ext uri="{FF2B5EF4-FFF2-40B4-BE49-F238E27FC236}">
+                <a16:creationId xmlns:a16="http://schemas.microsoft.com/office/drawing/2014/main" id="{279366D9-5C0F-4289-A588-8EA843CB2951}"/>
+              </a:ext>
+            </a:extLst>
+          </p:cNvPr>
+          <p:cNvSpPr/>
+          <p:nvPr/>
+        </p:nvSpPr>
+        <p:spPr>
+          <a:xfrm>
+            <a:off x="3486154" y="2209964"/>
+            <a:ext cx="2792993" cy="3130386"/>
+          </a:xfrm>
+          <a:prstGeom prst="roundRect">
+            <a:avLst>
+              <a:gd name="adj" fmla="val 11893"/>
+            </a:avLst>
+          </a:prstGeom>
+          <a:solidFill>
+            <a:schemeClr val="bg1"/>
+          </a:solidFill>
+          <a:ln w="28575">
+            <a:solidFill>
+              <a:schemeClr val="tx1"/>
+            </a:solidFill>
+            <a:prstDash val="solid"/>
+          </a:ln>
+        </p:spPr>
+        <p:style>
+          <a:lnRef idx="2">
+            <a:schemeClr val="accent1">
+              <a:shade val="50000"/>
+            </a:schemeClr>
+          </a:lnRef>
+          <a:fillRef idx="1">
+            <a:schemeClr val="accent1"/>
+          </a:fillRef>
+          <a:effectRef idx="0">
+            <a:schemeClr val="accent1"/>
+          </a:effectRef>
+          <a:fontRef idx="minor">
+            <a:schemeClr val="lt1"/>
+          </a:fontRef>
+        </p:style>
+        <p:txBody>
+          <a:bodyPr rtlCol="0" anchor="ctr"/>
+          <a:lstStyle/>
+          <a:p>
+            <a:pPr algn="ctr"/>
+            <a:endParaRPr lang="zh-CN" altLang="en-US" b="1" dirty="0">
+              <a:solidFill>
+                <a:schemeClr val="tx1"/>
+              </a:solidFill>
+              <a:latin typeface="微软雅黑" panose="020B0503020204020204" pitchFamily="34" charset="-122"/>
+              <a:ea typeface="微软雅黑" panose="020B0503020204020204" pitchFamily="34" charset="-122"/>
+            </a:endParaRPr>
+          </a:p>
+        </p:txBody>
+      </p:sp>
+      <p:sp>
+        <p:nvSpPr>
+          <p:cNvPr id="11" name="矩形: 圆角 10">
+            <a:extLst>
+              <a:ext uri="{FF2B5EF4-FFF2-40B4-BE49-F238E27FC236}">
+                <a16:creationId xmlns:a16="http://schemas.microsoft.com/office/drawing/2014/main" id="{7553DA15-B773-4936-9C84-F74DD6B85BAD}"/>
+              </a:ext>
+            </a:extLst>
+          </p:cNvPr>
+          <p:cNvSpPr/>
+          <p:nvPr/>
+        </p:nvSpPr>
+        <p:spPr>
+          <a:xfrm>
+            <a:off x="3708406" y="2613283"/>
+            <a:ext cx="2297693" cy="431636"/>
+          </a:xfrm>
+          <a:prstGeom prst="roundRect">
+            <a:avLst/>
+          </a:prstGeom>
+          <a:solidFill>
+            <a:schemeClr val="bg1"/>
+          </a:solidFill>
+          <a:ln w="28575">
+            <a:solidFill>
+              <a:schemeClr val="tx1"/>
+            </a:solidFill>
+            <a:prstDash val="sysDash"/>
+          </a:ln>
+        </p:spPr>
+        <p:style>
+          <a:lnRef idx="2">
+            <a:schemeClr val="accent1">
+              <a:shade val="50000"/>
+            </a:schemeClr>
+          </a:lnRef>
+          <a:fillRef idx="1">
+            <a:schemeClr val="accent1"/>
+          </a:fillRef>
+          <a:effectRef idx="0">
+            <a:schemeClr val="accent1"/>
+          </a:effectRef>
+          <a:fontRef idx="minor">
+            <a:schemeClr val="lt1"/>
+          </a:fontRef>
+        </p:style>
+        <p:txBody>
+          <a:bodyPr rtlCol="0" anchor="ctr"/>
+          <a:lstStyle/>
+          <a:p>
+            <a:pPr algn="ctr"/>
+            <a:r>
+              <a:rPr lang="zh-CN" altLang="en-US" b="1" dirty="0">
+                <a:solidFill>
+                  <a:schemeClr val="tx1"/>
+                </a:solidFill>
+                <a:latin typeface="微软雅黑" panose="020B0503020204020204" pitchFamily="34" charset="-122"/>
+                <a:ea typeface="微软雅黑" panose="020B0503020204020204" pitchFamily="34" charset="-122"/>
+              </a:rPr>
+              <a:t>虚拟机</a:t>
+            </a:r>
+          </a:p>
+        </p:txBody>
+      </p:sp>
+      <p:sp>
+        <p:nvSpPr>
+          <p:cNvPr id="12" name="文本框 11">
+            <a:extLst>
+              <a:ext uri="{FF2B5EF4-FFF2-40B4-BE49-F238E27FC236}">
+                <a16:creationId xmlns:a16="http://schemas.microsoft.com/office/drawing/2014/main" id="{66817EFA-8362-4757-9BA2-C480750B3EF9}"/>
+              </a:ext>
+            </a:extLst>
+          </p:cNvPr>
+          <p:cNvSpPr txBox="1"/>
+          <p:nvPr/>
+        </p:nvSpPr>
+        <p:spPr>
+          <a:xfrm>
+            <a:off x="3486154" y="2117442"/>
+            <a:ext cx="2792993" cy="403508"/>
+          </a:xfrm>
+          <a:prstGeom prst="rect">
+            <a:avLst/>
+          </a:prstGeom>
+          <a:solidFill>
+            <a:schemeClr val="tx1"/>
+          </a:solidFill>
+          <a:ln>
+            <a:solidFill>
+              <a:schemeClr val="tx1"/>
+            </a:solidFill>
+          </a:ln>
+        </p:spPr>
+        <p:txBody>
+          <a:bodyPr wrap="square">
+            <a:spAutoFit/>
+          </a:bodyPr>
+          <a:lstStyle/>
+          <a:p>
+            <a:r>
+              <a:rPr lang="zh-CN" altLang="en-US" sz="2022" b="1" dirty="0">
+                <a:solidFill>
+                  <a:schemeClr val="bg1"/>
+                </a:solidFill>
+                <a:latin typeface="黑体" panose="02010609060101010101" pitchFamily="49" charset="-122"/>
+                <a:ea typeface="黑体" panose="02010609060101010101" pitchFamily="49" charset="-122"/>
+              </a:rPr>
+              <a:t>基于软件</a:t>
+            </a:r>
+          </a:p>
+        </p:txBody>
+      </p:sp>
+    </p:spTree>
+    <p:extLst>
+      <p:ext uri="{BB962C8B-B14F-4D97-AF65-F5344CB8AC3E}">
+        <p14:creationId xmlns:p14="http://schemas.microsoft.com/office/powerpoint/2010/main" val="1301755570"/>
+      </p:ext>
+    </p:extLst>
+  </p:cSld>
+  <p:clrMapOvr>
+    <a:masterClrMapping/>
+  </p:clrMapOvr>
+</p:sld>
+</file>
+
+<file path=ppt/slides/slide4.xml><?xml version="1.0" encoding="utf-8"?>
+<p:sld xmlns:a="http://schemas.openxmlformats.org/drawingml/2006/main" xmlns:r="http://schemas.openxmlformats.org/officeDocument/2006/relationships" xmlns:p="http://schemas.openxmlformats.org/presentationml/2006/main">
+  <p:cSld>
+    <p:spTree>
+      <p:nvGrpSpPr>
+        <p:cNvPr id="1" name=""/>
+        <p:cNvGrpSpPr/>
+        <p:nvPr/>
+      </p:nvGrpSpPr>
+      <p:grpSpPr>
+        <a:xfrm>
+          <a:off x="0" y="0"/>
+          <a:ext cx="0" cy="0"/>
+          <a:chOff x="0" y="0"/>
+          <a:chExt cx="0" cy="0"/>
+        </a:xfrm>
+      </p:grpSpPr>
+      <p:sp>
+        <p:nvSpPr>
+          <p:cNvPr id="4" name="矩形 3">
+            <a:extLst>
+              <a:ext uri="{FF2B5EF4-FFF2-40B4-BE49-F238E27FC236}">
+                <a16:creationId xmlns:a16="http://schemas.microsoft.com/office/drawing/2014/main" id="{3617A942-4768-4E58-B1C6-2FEE021FBB38}"/>
+              </a:ext>
+            </a:extLst>
+          </p:cNvPr>
+          <p:cNvSpPr/>
+          <p:nvPr/>
+        </p:nvSpPr>
+        <p:spPr>
+          <a:xfrm>
+            <a:off x="1048755" y="3861128"/>
+            <a:ext cx="4348745" cy="252000"/>
+          </a:xfrm>
+          <a:prstGeom prst="rect">
+            <a:avLst/>
+          </a:prstGeom>
+          <a:solidFill>
+            <a:schemeClr val="bg1"/>
+          </a:solidFill>
+          <a:ln w="12700">
+            <a:solidFill>
+              <a:schemeClr val="tx1"/>
+            </a:solidFill>
+            <a:prstDash val="solid"/>
+          </a:ln>
+        </p:spPr>
+        <p:style>
+          <a:lnRef idx="2">
+            <a:schemeClr val="accent1">
+              <a:shade val="50000"/>
+            </a:schemeClr>
+          </a:lnRef>
+          <a:fillRef idx="1">
+            <a:schemeClr val="accent1"/>
+          </a:fillRef>
+          <a:effectRef idx="0">
+            <a:schemeClr val="accent1"/>
+          </a:effectRef>
+          <a:fontRef idx="minor">
+            <a:schemeClr val="lt1"/>
+          </a:fontRef>
+        </p:style>
+        <p:txBody>
+          <a:bodyPr rtlCol="0" anchor="ctr"/>
+          <a:lstStyle/>
+          <a:p>
+            <a:pPr algn="ctr"/>
+            <a:r>
+              <a:rPr lang="en-US" altLang="zh-CN" sz="1400" b="1" dirty="0">
+                <a:solidFill>
+                  <a:schemeClr val="tx1"/>
+                </a:solidFill>
+                <a:latin typeface="仿宋_GB2312" panose="02010609030101010101" pitchFamily="49" charset="-122"/>
+                <a:ea typeface="仿宋_GB2312" panose="02010609030101010101" pitchFamily="49" charset="-122"/>
+              </a:rPr>
+              <a:t>CPU </a:t>
+            </a:r>
+            <a:r>
+              <a:rPr lang="zh-CN" altLang="en-US" sz="1400" b="1" dirty="0">
+                <a:solidFill>
+                  <a:schemeClr val="tx1"/>
+                </a:solidFill>
+                <a:latin typeface="仿宋_GB2312" panose="02010609030101010101" pitchFamily="49" charset="-122"/>
+                <a:ea typeface="仿宋_GB2312" panose="02010609030101010101" pitchFamily="49" charset="-122"/>
+              </a:rPr>
+              <a:t>指令架构</a:t>
+            </a:r>
+          </a:p>
+        </p:txBody>
+      </p:sp>
+      <p:sp>
+        <p:nvSpPr>
+          <p:cNvPr id="5" name="矩形 4">
+            <a:extLst>
+              <a:ext uri="{FF2B5EF4-FFF2-40B4-BE49-F238E27FC236}">
+                <a16:creationId xmlns:a16="http://schemas.microsoft.com/office/drawing/2014/main" id="{0B10A8E1-DBC9-4AF0-AF97-834EC37D15C8}"/>
+              </a:ext>
+            </a:extLst>
+          </p:cNvPr>
+          <p:cNvSpPr/>
+          <p:nvPr/>
+        </p:nvSpPr>
+        <p:spPr>
+          <a:xfrm>
+            <a:off x="1785355" y="3511714"/>
+            <a:ext cx="3612145" cy="252000"/>
+          </a:xfrm>
+          <a:prstGeom prst="rect">
+            <a:avLst/>
+          </a:prstGeom>
+          <a:solidFill>
+            <a:schemeClr val="bg1"/>
+          </a:solidFill>
+          <a:ln w="12700">
+            <a:solidFill>
+              <a:schemeClr val="tx1"/>
+            </a:solidFill>
+            <a:prstDash val="solid"/>
+          </a:ln>
+        </p:spPr>
+        <p:style>
+          <a:lnRef idx="2">
+            <a:schemeClr val="accent1">
+              <a:shade val="50000"/>
+            </a:schemeClr>
+          </a:lnRef>
+          <a:fillRef idx="1">
+            <a:schemeClr val="accent1"/>
+          </a:fillRef>
+          <a:effectRef idx="0">
+            <a:schemeClr val="accent1"/>
+          </a:effectRef>
+          <a:fontRef idx="minor">
+            <a:schemeClr val="lt1"/>
+          </a:fontRef>
+        </p:style>
+        <p:txBody>
+          <a:bodyPr rtlCol="0" anchor="ctr"/>
+          <a:lstStyle/>
+          <a:p>
+            <a:pPr algn="ctr"/>
+            <a:r>
+              <a:rPr lang="en-US" altLang="zh-CN" sz="1400" b="1" dirty="0">
+                <a:solidFill>
+                  <a:schemeClr val="tx1"/>
+                </a:solidFill>
+                <a:latin typeface="仿宋_GB2312" panose="02010609030101010101" pitchFamily="49" charset="-122"/>
+                <a:ea typeface="仿宋_GB2312" panose="02010609030101010101" pitchFamily="49" charset="-122"/>
+              </a:rPr>
+              <a:t>Linux </a:t>
+            </a:r>
+            <a:r>
+              <a:rPr lang="zh-CN" altLang="en-US" sz="1400" b="1" dirty="0">
+                <a:solidFill>
+                  <a:schemeClr val="tx1"/>
+                </a:solidFill>
+                <a:latin typeface="仿宋_GB2312" panose="02010609030101010101" pitchFamily="49" charset="-122"/>
+                <a:ea typeface="仿宋_GB2312" panose="02010609030101010101" pitchFamily="49" charset="-122"/>
+              </a:rPr>
+              <a:t>内核</a:t>
+            </a:r>
+          </a:p>
+        </p:txBody>
+      </p:sp>
+      <p:sp>
+        <p:nvSpPr>
+          <p:cNvPr id="6" name="矩形: 圆角 5">
+            <a:extLst>
+              <a:ext uri="{FF2B5EF4-FFF2-40B4-BE49-F238E27FC236}">
+                <a16:creationId xmlns:a16="http://schemas.microsoft.com/office/drawing/2014/main" id="{C0623683-D14A-464B-A8D7-9E3931587056}"/>
+              </a:ext>
+            </a:extLst>
+          </p:cNvPr>
+          <p:cNvSpPr/>
+          <p:nvPr/>
+        </p:nvSpPr>
+        <p:spPr>
+          <a:xfrm>
+            <a:off x="1048755" y="1765464"/>
+            <a:ext cx="4348745" cy="1530186"/>
+          </a:xfrm>
+          <a:prstGeom prst="roundRect">
+            <a:avLst/>
+          </a:prstGeom>
+          <a:solidFill>
+            <a:schemeClr val="bg1"/>
+          </a:solidFill>
+          <a:ln w="12700">
+            <a:solidFill>
+              <a:schemeClr val="tx1"/>
+            </a:solidFill>
+            <a:prstDash val="sysDot"/>
+          </a:ln>
+        </p:spPr>
+        <p:style>
+          <a:lnRef idx="2">
+            <a:schemeClr val="accent1">
+              <a:shade val="50000"/>
+            </a:schemeClr>
+          </a:lnRef>
+          <a:fillRef idx="1">
+            <a:schemeClr val="accent1"/>
+          </a:fillRef>
+          <a:effectRef idx="0">
+            <a:schemeClr val="accent1"/>
+          </a:effectRef>
+          <a:fontRef idx="minor">
+            <a:schemeClr val="lt1"/>
+          </a:fontRef>
+        </p:style>
+        <p:txBody>
+          <a:bodyPr rtlCol="0" anchor="ctr"/>
+          <a:lstStyle/>
+          <a:p>
+            <a:pPr algn="ctr"/>
+            <a:endParaRPr lang="zh-CN" altLang="en-US" sz="1400" b="1" dirty="0">
+              <a:solidFill>
+                <a:schemeClr val="tx1"/>
+              </a:solidFill>
+              <a:latin typeface="仿宋_GB2312" panose="02010609030101010101" pitchFamily="49" charset="-122"/>
+              <a:ea typeface="仿宋_GB2312" panose="02010609030101010101" pitchFamily="49" charset="-122"/>
+            </a:endParaRPr>
+          </a:p>
+        </p:txBody>
+      </p:sp>
+      <p:sp>
+        <p:nvSpPr>
+          <p:cNvPr id="9" name="矩形 8">
+            <a:extLst>
+              <a:ext uri="{FF2B5EF4-FFF2-40B4-BE49-F238E27FC236}">
+                <a16:creationId xmlns:a16="http://schemas.microsoft.com/office/drawing/2014/main" id="{F09CBC8E-DAC7-48A9-B34E-9820CF809BC4}"/>
+              </a:ext>
+            </a:extLst>
+          </p:cNvPr>
+          <p:cNvSpPr/>
+          <p:nvPr/>
+        </p:nvSpPr>
+        <p:spPr>
+          <a:xfrm>
+            <a:off x="1175755" y="2533400"/>
+            <a:ext cx="4120145" cy="252000"/>
+          </a:xfrm>
+          <a:prstGeom prst="rect">
+            <a:avLst/>
+          </a:prstGeom>
+          <a:solidFill>
+            <a:schemeClr val="bg1"/>
+          </a:solidFill>
+          <a:ln w="12700">
+            <a:solidFill>
+              <a:schemeClr val="tx1"/>
+            </a:solidFill>
+            <a:prstDash val="solid"/>
+          </a:ln>
+        </p:spPr>
+        <p:style>
+          <a:lnRef idx="2">
+            <a:schemeClr val="accent1">
+              <a:shade val="50000"/>
+            </a:schemeClr>
+          </a:lnRef>
+          <a:fillRef idx="1">
+            <a:schemeClr val="accent1"/>
+          </a:fillRef>
+          <a:effectRef idx="0">
+            <a:schemeClr val="accent1"/>
+          </a:effectRef>
+          <a:fontRef idx="minor">
+            <a:schemeClr val="lt1"/>
+          </a:fontRef>
+        </p:style>
+        <p:txBody>
+          <a:bodyPr rtlCol="0" anchor="ctr"/>
+          <a:lstStyle/>
+          <a:p>
+            <a:pPr algn="ctr"/>
+            <a:r>
+              <a:rPr lang="zh-CN" altLang="en-US" sz="1400" b="1" dirty="0">
+                <a:solidFill>
+                  <a:schemeClr val="tx1"/>
+                </a:solidFill>
+                <a:latin typeface="仿宋_GB2312" panose="02010609030101010101" pitchFamily="49" charset="-122"/>
+                <a:ea typeface="仿宋_GB2312" panose="02010609030101010101" pitchFamily="49" charset="-122"/>
+              </a:rPr>
+              <a:t>不确定性拦截</a:t>
+            </a:r>
+          </a:p>
+        </p:txBody>
+      </p:sp>
+      <p:sp>
+        <p:nvSpPr>
+          <p:cNvPr id="10" name="矩形 9">
+            <a:extLst>
+              <a:ext uri="{FF2B5EF4-FFF2-40B4-BE49-F238E27FC236}">
+                <a16:creationId xmlns:a16="http://schemas.microsoft.com/office/drawing/2014/main" id="{28DDBE88-4ECB-4EEB-B7FB-4CCBA11C457B}"/>
+              </a:ext>
+            </a:extLst>
+          </p:cNvPr>
+          <p:cNvSpPr/>
+          <p:nvPr/>
+        </p:nvSpPr>
+        <p:spPr>
+          <a:xfrm>
+            <a:off x="1175755" y="1904172"/>
+            <a:ext cx="1688095" cy="349086"/>
+          </a:xfrm>
+          <a:prstGeom prst="rect">
+            <a:avLst/>
+          </a:prstGeom>
+          <a:solidFill>
+            <a:schemeClr val="bg1"/>
+          </a:solidFill>
+          <a:ln w="12700">
+            <a:solidFill>
+              <a:schemeClr val="tx1"/>
+            </a:solidFill>
+            <a:prstDash val="solid"/>
+          </a:ln>
+        </p:spPr>
+        <p:style>
+          <a:lnRef idx="2">
+            <a:schemeClr val="accent1">
+              <a:shade val="50000"/>
+            </a:schemeClr>
+          </a:lnRef>
+          <a:fillRef idx="1">
+            <a:schemeClr val="accent1"/>
+          </a:fillRef>
+          <a:effectRef idx="0">
+            <a:schemeClr val="accent1"/>
+          </a:effectRef>
+          <a:fontRef idx="minor">
+            <a:schemeClr val="lt1"/>
+          </a:fontRef>
+        </p:style>
+        <p:txBody>
+          <a:bodyPr rtlCol="0" anchor="ctr"/>
+          <a:lstStyle/>
+          <a:p>
+            <a:pPr algn="ctr"/>
+            <a:r>
+              <a:rPr lang="zh-CN" altLang="en-US" sz="1400" b="1" dirty="0">
+                <a:solidFill>
+                  <a:schemeClr val="tx1"/>
+                </a:solidFill>
+                <a:latin typeface="仿宋_GB2312" panose="02010609030101010101" pitchFamily="49" charset="-122"/>
+                <a:ea typeface="仿宋_GB2312" panose="02010609030101010101" pitchFamily="49" charset="-122"/>
+              </a:rPr>
+              <a:t>进程</a:t>
+            </a:r>
+            <a:r>
+              <a:rPr lang="en-US" altLang="zh-CN" sz="1400" b="1" dirty="0">
+                <a:solidFill>
+                  <a:schemeClr val="tx1"/>
+                </a:solidFill>
+                <a:latin typeface="仿宋_GB2312" panose="02010609030101010101" pitchFamily="49" charset="-122"/>
+                <a:ea typeface="仿宋_GB2312" panose="02010609030101010101" pitchFamily="49" charset="-122"/>
+              </a:rPr>
+              <a:t>A</a:t>
+            </a:r>
+            <a:endParaRPr lang="zh-CN" altLang="en-US" sz="1400" b="1" dirty="0">
+              <a:solidFill>
+                <a:schemeClr val="tx1"/>
+              </a:solidFill>
+              <a:latin typeface="仿宋_GB2312" panose="02010609030101010101" pitchFamily="49" charset="-122"/>
+              <a:ea typeface="仿宋_GB2312" panose="02010609030101010101" pitchFamily="49" charset="-122"/>
+            </a:endParaRPr>
+          </a:p>
+        </p:txBody>
+      </p:sp>
+      <p:sp>
+        <p:nvSpPr>
+          <p:cNvPr id="11" name="矩形 10">
+            <a:extLst>
+              <a:ext uri="{FF2B5EF4-FFF2-40B4-BE49-F238E27FC236}">
+                <a16:creationId xmlns:a16="http://schemas.microsoft.com/office/drawing/2014/main" id="{97DAC742-34E4-4557-8AF6-D379C87C25BD}"/>
+              </a:ext>
+            </a:extLst>
+          </p:cNvPr>
+          <p:cNvSpPr/>
+          <p:nvPr/>
+        </p:nvSpPr>
+        <p:spPr>
+          <a:xfrm>
+            <a:off x="3607805" y="1904172"/>
+            <a:ext cx="1688095" cy="349086"/>
+          </a:xfrm>
+          <a:prstGeom prst="rect">
+            <a:avLst/>
+          </a:prstGeom>
+          <a:solidFill>
+            <a:schemeClr val="bg1"/>
+          </a:solidFill>
+          <a:ln w="12700">
+            <a:solidFill>
+              <a:schemeClr val="tx1"/>
+            </a:solidFill>
+            <a:prstDash val="solid"/>
+          </a:ln>
+        </p:spPr>
+        <p:style>
+          <a:lnRef idx="2">
+            <a:schemeClr val="accent1">
+              <a:shade val="50000"/>
+            </a:schemeClr>
+          </a:lnRef>
+          <a:fillRef idx="1">
+            <a:schemeClr val="accent1"/>
+          </a:fillRef>
+          <a:effectRef idx="0">
+            <a:schemeClr val="accent1"/>
+          </a:effectRef>
+          <a:fontRef idx="minor">
+            <a:schemeClr val="lt1"/>
+          </a:fontRef>
+        </p:style>
+        <p:txBody>
+          <a:bodyPr rtlCol="0" anchor="ctr"/>
+          <a:lstStyle/>
+          <a:p>
+            <a:pPr algn="ctr"/>
+            <a:r>
+              <a:rPr lang="zh-CN" altLang="en-US" sz="1400" b="1" dirty="0">
+                <a:solidFill>
+                  <a:schemeClr val="tx1"/>
+                </a:solidFill>
+                <a:latin typeface="仿宋_GB2312" panose="02010609030101010101" pitchFamily="49" charset="-122"/>
+                <a:ea typeface="仿宋_GB2312" panose="02010609030101010101" pitchFamily="49" charset="-122"/>
+              </a:rPr>
+              <a:t>进程</a:t>
+            </a:r>
+            <a:r>
+              <a:rPr lang="en-US" altLang="zh-CN" sz="1400" b="1" dirty="0">
+                <a:solidFill>
+                  <a:schemeClr val="tx1"/>
+                </a:solidFill>
+                <a:latin typeface="仿宋_GB2312" panose="02010609030101010101" pitchFamily="49" charset="-122"/>
+                <a:ea typeface="仿宋_GB2312" panose="02010609030101010101" pitchFamily="49" charset="-122"/>
+              </a:rPr>
+              <a:t>B</a:t>
+            </a:r>
+            <a:endParaRPr lang="zh-CN" altLang="en-US" sz="1400" b="1" dirty="0">
+              <a:solidFill>
+                <a:schemeClr val="tx1"/>
+              </a:solidFill>
+              <a:latin typeface="仿宋_GB2312" panose="02010609030101010101" pitchFamily="49" charset="-122"/>
+              <a:ea typeface="仿宋_GB2312" panose="02010609030101010101" pitchFamily="49" charset="-122"/>
+            </a:endParaRPr>
+          </a:p>
+        </p:txBody>
+      </p:sp>
+      <p:cxnSp>
+        <p:nvCxnSpPr>
+          <p:cNvPr id="13" name="连接符: 曲线 12">
+            <a:extLst>
+              <a:ext uri="{FF2B5EF4-FFF2-40B4-BE49-F238E27FC236}">
+                <a16:creationId xmlns:a16="http://schemas.microsoft.com/office/drawing/2014/main" id="{092FCFF2-8757-446C-B69C-F3C046FCCBBB}"/>
+              </a:ext>
+            </a:extLst>
+          </p:cNvPr>
+          <p:cNvCxnSpPr>
+            <a:cxnSpLocks/>
+          </p:cNvCxnSpPr>
+          <p:nvPr/>
+        </p:nvCxnSpPr>
+        <p:spPr>
+          <a:xfrm rot="5400000" flipH="1" flipV="1">
+            <a:off x="1212606" y="3053931"/>
+            <a:ext cx="1075729" cy="538667"/>
+          </a:xfrm>
+          <a:prstGeom prst="curvedConnector3">
+            <a:avLst/>
+          </a:prstGeom>
+          <a:ln w="12700">
+            <a:prstDash val="lgDashDotDot"/>
+            <a:tailEnd type="triangle"/>
+          </a:ln>
+        </p:spPr>
+        <p:style>
+          <a:lnRef idx="1">
+            <a:schemeClr val="dk1"/>
+          </a:lnRef>
+          <a:fillRef idx="0">
+            <a:schemeClr val="dk1"/>
+          </a:fillRef>
+          <a:effectRef idx="0">
+            <a:schemeClr val="dk1"/>
+          </a:effectRef>
+          <a:fontRef idx="minor">
+            <a:schemeClr val="tx1"/>
+          </a:fontRef>
+        </p:style>
+      </p:cxnSp>
+      <p:cxnSp>
+        <p:nvCxnSpPr>
+          <p:cNvPr id="15" name="连接符: 曲线 14">
+            <a:extLst>
+              <a:ext uri="{FF2B5EF4-FFF2-40B4-BE49-F238E27FC236}">
+                <a16:creationId xmlns:a16="http://schemas.microsoft.com/office/drawing/2014/main" id="{D06EBB1B-0E22-41AA-9CF6-1BFBA8344A9E}"/>
+              </a:ext>
+            </a:extLst>
+          </p:cNvPr>
+          <p:cNvCxnSpPr>
+            <a:stCxn id="5" idx="0"/>
+            <a:endCxn id="9" idx="2"/>
+          </p:cNvCxnSpPr>
+          <p:nvPr/>
+        </p:nvCxnSpPr>
+        <p:spPr>
+          <a:xfrm rot="16200000" flipV="1">
+            <a:off x="3050471" y="2970757"/>
+            <a:ext cx="726314" cy="355600"/>
+          </a:xfrm>
+          <a:prstGeom prst="curvedConnector3">
+            <a:avLst/>
+          </a:prstGeom>
+          <a:ln w="12700">
+            <a:prstDash val="lgDashDotDot"/>
+            <a:tailEnd type="triangle"/>
+          </a:ln>
+        </p:spPr>
+        <p:style>
+          <a:lnRef idx="1">
+            <a:schemeClr val="dk1"/>
+          </a:lnRef>
+          <a:fillRef idx="0">
+            <a:schemeClr val="dk1"/>
+          </a:fillRef>
+          <a:effectRef idx="0">
+            <a:schemeClr val="dk1"/>
+          </a:effectRef>
+          <a:fontRef idx="minor">
+            <a:schemeClr val="tx1"/>
+          </a:fontRef>
+        </p:style>
+      </p:cxnSp>
+      <p:cxnSp>
+        <p:nvCxnSpPr>
+          <p:cNvPr id="18" name="连接符: 曲线 17">
+            <a:extLst>
+              <a:ext uri="{FF2B5EF4-FFF2-40B4-BE49-F238E27FC236}">
+                <a16:creationId xmlns:a16="http://schemas.microsoft.com/office/drawing/2014/main" id="{DAD27399-E215-4BDA-BDA8-79D69E0848B1}"/>
+              </a:ext>
+            </a:extLst>
+          </p:cNvPr>
+          <p:cNvCxnSpPr>
+            <a:endCxn id="10" idx="2"/>
+          </p:cNvCxnSpPr>
+          <p:nvPr/>
+        </p:nvCxnSpPr>
+        <p:spPr>
+          <a:xfrm rot="5400000" flipH="1" flipV="1">
+            <a:off x="1881153" y="2391908"/>
+            <a:ext cx="277299" cy="1"/>
+          </a:xfrm>
+          <a:prstGeom prst="curvedConnector3">
+            <a:avLst/>
+          </a:prstGeom>
+          <a:ln w="12700">
+            <a:prstDash val="solid"/>
+            <a:tailEnd type="triangle"/>
+          </a:ln>
+        </p:spPr>
+        <p:style>
+          <a:lnRef idx="1">
+            <a:schemeClr val="dk1"/>
+          </a:lnRef>
+          <a:fillRef idx="0">
+            <a:schemeClr val="dk1"/>
+          </a:fillRef>
+          <a:effectRef idx="0">
+            <a:schemeClr val="dk1"/>
+          </a:effectRef>
+          <a:fontRef idx="minor">
+            <a:schemeClr val="tx1"/>
+          </a:fontRef>
+        </p:style>
+      </p:cxnSp>
+      <p:cxnSp>
+        <p:nvCxnSpPr>
+          <p:cNvPr id="20" name="连接符: 曲线 19">
+            <a:extLst>
+              <a:ext uri="{FF2B5EF4-FFF2-40B4-BE49-F238E27FC236}">
+                <a16:creationId xmlns:a16="http://schemas.microsoft.com/office/drawing/2014/main" id="{DECCB9F3-37E7-452D-A3F9-E4BC1188D677}"/>
+              </a:ext>
+            </a:extLst>
+          </p:cNvPr>
+          <p:cNvCxnSpPr>
+            <a:stCxn id="9" idx="0"/>
+            <a:endCxn id="11" idx="2"/>
+          </p:cNvCxnSpPr>
+          <p:nvPr/>
+        </p:nvCxnSpPr>
+        <p:spPr>
+          <a:xfrm rot="5400000" flipH="1" flipV="1">
+            <a:off x="3703769" y="1785317"/>
+            <a:ext cx="280142" cy="1216025"/>
+          </a:xfrm>
+          <a:prstGeom prst="curvedConnector3">
+            <a:avLst/>
+          </a:prstGeom>
+          <a:ln w="12700">
+            <a:prstDash val="solid"/>
+            <a:tailEnd type="triangle"/>
+          </a:ln>
+        </p:spPr>
+        <p:style>
+          <a:lnRef idx="1">
+            <a:schemeClr val="dk1"/>
+          </a:lnRef>
+          <a:fillRef idx="0">
+            <a:schemeClr val="dk1"/>
+          </a:fillRef>
+          <a:effectRef idx="0">
+            <a:schemeClr val="dk1"/>
+          </a:effectRef>
+          <a:fontRef idx="minor">
+            <a:schemeClr val="tx1"/>
+          </a:fontRef>
+        </p:style>
+      </p:cxnSp>
+      <p:sp>
+        <p:nvSpPr>
+          <p:cNvPr id="23" name="文本框 22">
+            <a:extLst>
+              <a:ext uri="{FF2B5EF4-FFF2-40B4-BE49-F238E27FC236}">
+                <a16:creationId xmlns:a16="http://schemas.microsoft.com/office/drawing/2014/main" id="{ADE0EA16-648E-4F61-902D-C008E29284BF}"/>
+              </a:ext>
+            </a:extLst>
+          </p:cNvPr>
+          <p:cNvSpPr txBox="1"/>
+          <p:nvPr/>
+        </p:nvSpPr>
+        <p:spPr>
+          <a:xfrm>
+            <a:off x="4627564" y="2942017"/>
+            <a:ext cx="749299" cy="307777"/>
+          </a:xfrm>
+          <a:prstGeom prst="rect">
+            <a:avLst/>
+          </a:prstGeom>
+          <a:noFill/>
+        </p:spPr>
+        <p:txBody>
+          <a:bodyPr wrap="square">
+            <a:spAutoFit/>
+          </a:bodyPr>
+          <a:lstStyle/>
+          <a:p>
+            <a:pPr algn="ctr"/>
+            <a:r>
+              <a:rPr lang="zh-CN" altLang="en-US" sz="1400" b="1" dirty="0">
+                <a:solidFill>
+                  <a:schemeClr val="tx1"/>
+                </a:solidFill>
+                <a:latin typeface="仿宋_GB2312" panose="02010609030101010101" pitchFamily="49" charset="-122"/>
+                <a:ea typeface="仿宋_GB2312" panose="02010609030101010101" pitchFamily="49" charset="-122"/>
+              </a:rPr>
+              <a:t>容器</a:t>
+            </a:r>
+          </a:p>
+        </p:txBody>
+      </p:sp>
+    </p:spTree>
+    <p:extLst>
+      <p:ext uri="{BB962C8B-B14F-4D97-AF65-F5344CB8AC3E}">
+        <p14:creationId xmlns:p14="http://schemas.microsoft.com/office/powerpoint/2010/main" val="3351740492"/>
+      </p:ext>
+    </p:extLst>
+  </p:cSld>
+  <p:clrMapOvr>
+    <a:masterClrMapping/>
+  </p:clrMapOvr>
+</p:sld>
+</file>
+
+<file path=ppt/slides/slide5.xml><?xml version="1.0" encoding="utf-8"?>
+<p:sld xmlns:a="http://schemas.openxmlformats.org/drawingml/2006/main" xmlns:r="http://schemas.openxmlformats.org/officeDocument/2006/relationships" xmlns:p="http://schemas.openxmlformats.org/presentationml/2006/main">
+  <p:cSld>
+    <p:spTree>
+      <p:nvGrpSpPr>
+        <p:cNvPr id="1" name=""/>
+        <p:cNvGrpSpPr/>
+        <p:nvPr/>
+      </p:nvGrpSpPr>
+      <p:grpSpPr>
+        <a:xfrm>
+          <a:off x="0" y="0"/>
+          <a:ext cx="0" cy="0"/>
+          <a:chOff x="0" y="0"/>
+          <a:chExt cx="0" cy="0"/>
+        </a:xfrm>
+      </p:grpSpPr>
       <p:graphicFrame>
         <p:nvGraphicFramePr>
           <p:cNvPr id="7" name="图表 6">
@@ -9605,7 +10151,7 @@
 </p:sld>
 </file>
 
-<file path=ppt/slides/slide4.xml><?xml version="1.0" encoding="utf-8"?>
+<file path=ppt/slides/slide6.xml><?xml version="1.0" encoding="utf-8"?>
 <p:sld xmlns:a="http://schemas.openxmlformats.org/drawingml/2006/main" xmlns:r="http://schemas.openxmlformats.org/officeDocument/2006/relationships" xmlns:p="http://schemas.openxmlformats.org/presentationml/2006/main">
   <p:cSld>
     <p:spTree>
@@ -9622,8 +10168,8 @@
           <a:chExt cx="0" cy="0"/>
         </a:xfrm>
       </p:grpSpPr>
-      <mc:AlternateContent xmlns:mc="http://schemas.openxmlformats.org/markup-compatibility/2006">
-        <mc:Choice xmlns:a14="http://schemas.microsoft.com/office/drawing/2010/main" Requires="a14">
+      <mc:AlternateContent xmlns:mc="http://schemas.openxmlformats.org/markup-compatibility/2006" xmlns:a14="http://schemas.microsoft.com/office/drawing/2010/main">
+        <mc:Choice Requires="a14">
           <p:sp>
             <p:nvSpPr>
               <p:cNvPr id="4" name="矩形 3">
@@ -9743,7 +10289,7 @@
             </p:txBody>
           </p:sp>
         </mc:Choice>
-        <mc:Fallback>
+        <mc:Fallback xmlns="">
           <p:sp>
             <p:nvSpPr>
               <p:cNvPr id="4" name="矩形 3">
@@ -9793,8 +10339,8 @@
           </p:sp>
         </mc:Fallback>
       </mc:AlternateContent>
-      <mc:AlternateContent xmlns:mc="http://schemas.openxmlformats.org/markup-compatibility/2006">
-        <mc:Choice xmlns:a14="http://schemas.microsoft.com/office/drawing/2010/main" Requires="a14">
+      <mc:AlternateContent xmlns:mc="http://schemas.openxmlformats.org/markup-compatibility/2006" xmlns:a14="http://schemas.microsoft.com/office/drawing/2010/main">
+        <mc:Choice Requires="a14">
           <p:sp>
             <p:nvSpPr>
               <p:cNvPr id="5" name="矩形 4">
@@ -9885,7 +10431,7 @@
             </p:txBody>
           </p:sp>
         </mc:Choice>
-        <mc:Fallback>
+        <mc:Fallback xmlns="">
           <p:sp>
             <p:nvSpPr>
               <p:cNvPr id="5" name="矩形 4">
@@ -9935,8 +10481,8 @@
           </p:sp>
         </mc:Fallback>
       </mc:AlternateContent>
-      <mc:AlternateContent xmlns:mc="http://schemas.openxmlformats.org/markup-compatibility/2006">
-        <mc:Choice xmlns:a14="http://schemas.microsoft.com/office/drawing/2010/main" Requires="a14">
+      <mc:AlternateContent xmlns:mc="http://schemas.openxmlformats.org/markup-compatibility/2006" xmlns:a14="http://schemas.microsoft.com/office/drawing/2010/main">
+        <mc:Choice Requires="a14">
           <p:sp>
             <p:nvSpPr>
               <p:cNvPr id="6" name="矩形 5">
@@ -10027,7 +10573,7 @@
             </p:txBody>
           </p:sp>
         </mc:Choice>
-        <mc:Fallback>
+        <mc:Fallback xmlns="">
           <p:sp>
             <p:nvSpPr>
               <p:cNvPr id="6" name="矩形 5">
@@ -10077,8 +10623,8 @@
           </p:sp>
         </mc:Fallback>
       </mc:AlternateContent>
-      <mc:AlternateContent xmlns:mc="http://schemas.openxmlformats.org/markup-compatibility/2006">
-        <mc:Choice xmlns:a14="http://schemas.microsoft.com/office/drawing/2010/main" Requires="a14">
+      <mc:AlternateContent xmlns:mc="http://schemas.openxmlformats.org/markup-compatibility/2006" xmlns:a14="http://schemas.microsoft.com/office/drawing/2010/main">
+        <mc:Choice Requires="a14">
           <p:sp>
             <p:nvSpPr>
               <p:cNvPr id="7" name="矩形 6">
@@ -10169,7 +10715,7 @@
             </p:txBody>
           </p:sp>
         </mc:Choice>
-        <mc:Fallback>
+        <mc:Fallback xmlns="">
           <p:sp>
             <p:nvSpPr>
               <p:cNvPr id="7" name="矩形 6">
@@ -10219,8 +10765,8 @@
           </p:sp>
         </mc:Fallback>
       </mc:AlternateContent>
-      <mc:AlternateContent xmlns:mc="http://schemas.openxmlformats.org/markup-compatibility/2006">
-        <mc:Choice xmlns:a14="http://schemas.microsoft.com/office/drawing/2010/main" Requires="a14">
+      <mc:AlternateContent xmlns:mc="http://schemas.openxmlformats.org/markup-compatibility/2006" xmlns:a14="http://schemas.microsoft.com/office/drawing/2010/main">
+        <mc:Choice Requires="a14">
           <p:sp>
             <p:nvSpPr>
               <p:cNvPr id="11" name="矩形 10">
@@ -10301,7 +10847,7 @@
             </p:txBody>
           </p:sp>
         </mc:Choice>
-        <mc:Fallback>
+        <mc:Fallback xmlns="">
           <p:sp>
             <p:nvSpPr>
               <p:cNvPr id="11" name="矩形 10">
@@ -10351,8 +10897,8 @@
           </p:sp>
         </mc:Fallback>
       </mc:AlternateContent>
-      <mc:AlternateContent xmlns:mc="http://schemas.openxmlformats.org/markup-compatibility/2006">
-        <mc:Choice xmlns:a14="http://schemas.microsoft.com/office/drawing/2010/main" Requires="a14">
+      <mc:AlternateContent xmlns:mc="http://schemas.openxmlformats.org/markup-compatibility/2006" xmlns:a14="http://schemas.microsoft.com/office/drawing/2010/main">
+        <mc:Choice Requires="a14">
           <p:sp>
             <p:nvSpPr>
               <p:cNvPr id="12" name="矩形 11">
@@ -10443,7 +10989,7 @@
             </p:txBody>
           </p:sp>
         </mc:Choice>
-        <mc:Fallback>
+        <mc:Fallback xmlns="">
           <p:sp>
             <p:nvSpPr>
               <p:cNvPr id="12" name="矩形 11">
@@ -10493,8 +11039,8 @@
           </p:sp>
         </mc:Fallback>
       </mc:AlternateContent>
-      <mc:AlternateContent xmlns:mc="http://schemas.openxmlformats.org/markup-compatibility/2006">
-        <mc:Choice xmlns:a14="http://schemas.microsoft.com/office/drawing/2010/main" Requires="a14">
+      <mc:AlternateContent xmlns:mc="http://schemas.openxmlformats.org/markup-compatibility/2006" xmlns:a14="http://schemas.microsoft.com/office/drawing/2010/main">
+        <mc:Choice Requires="a14">
           <p:sp>
             <p:nvSpPr>
               <p:cNvPr id="13" name="矩形 12">
@@ -10585,7 +11131,7 @@
             </p:txBody>
           </p:sp>
         </mc:Choice>
-        <mc:Fallback>
+        <mc:Fallback xmlns="">
           <p:sp>
             <p:nvSpPr>
               <p:cNvPr id="13" name="矩形 12">
@@ -10635,8 +11181,8 @@
           </p:sp>
         </mc:Fallback>
       </mc:AlternateContent>
-      <mc:AlternateContent xmlns:mc="http://schemas.openxmlformats.org/markup-compatibility/2006">
-        <mc:Choice xmlns:a14="http://schemas.microsoft.com/office/drawing/2010/main" Requires="a14">
+      <mc:AlternateContent xmlns:mc="http://schemas.openxmlformats.org/markup-compatibility/2006" xmlns:a14="http://schemas.microsoft.com/office/drawing/2010/main">
+        <mc:Choice Requires="a14">
           <p:sp>
             <p:nvSpPr>
               <p:cNvPr id="15" name="矩形 14">
@@ -10727,7 +11273,7 @@
             </p:txBody>
           </p:sp>
         </mc:Choice>
-        <mc:Fallback>
+        <mc:Fallback xmlns="">
           <p:sp>
             <p:nvSpPr>
               <p:cNvPr id="15" name="矩形 14">
@@ -10777,8 +11323,8 @@
           </p:sp>
         </mc:Fallback>
       </mc:AlternateContent>
-      <mc:AlternateContent xmlns:mc="http://schemas.openxmlformats.org/markup-compatibility/2006">
-        <mc:Choice xmlns:a14="http://schemas.microsoft.com/office/drawing/2010/main" Requires="a14">
+      <mc:AlternateContent xmlns:mc="http://schemas.openxmlformats.org/markup-compatibility/2006" xmlns:a14="http://schemas.microsoft.com/office/drawing/2010/main">
+        <mc:Choice Requires="a14">
           <p:sp>
             <p:nvSpPr>
               <p:cNvPr id="16" name="矩形 15">
@@ -10869,7 +11415,7 @@
             </p:txBody>
           </p:sp>
         </mc:Choice>
-        <mc:Fallback>
+        <mc:Fallback xmlns="">
           <p:sp>
             <p:nvSpPr>
               <p:cNvPr id="16" name="矩形 15">
@@ -10919,8 +11465,8 @@
           </p:sp>
         </mc:Fallback>
       </mc:AlternateContent>
-      <mc:AlternateContent xmlns:mc="http://schemas.openxmlformats.org/markup-compatibility/2006">
-        <mc:Choice xmlns:a14="http://schemas.microsoft.com/office/drawing/2010/main" Requires="a14">
+      <mc:AlternateContent xmlns:mc="http://schemas.openxmlformats.org/markup-compatibility/2006" xmlns:a14="http://schemas.microsoft.com/office/drawing/2010/main">
+        <mc:Choice Requires="a14">
           <p:sp>
             <p:nvSpPr>
               <p:cNvPr id="17" name="矩形 16">
@@ -11011,7 +11557,7 @@
             </p:txBody>
           </p:sp>
         </mc:Choice>
-        <mc:Fallback>
+        <mc:Fallback xmlns="">
           <p:sp>
             <p:nvSpPr>
               <p:cNvPr id="17" name="矩形 16">
@@ -11061,8 +11607,8 @@
           </p:sp>
         </mc:Fallback>
       </mc:AlternateContent>
-      <mc:AlternateContent xmlns:mc="http://schemas.openxmlformats.org/markup-compatibility/2006">
-        <mc:Choice xmlns:a14="http://schemas.microsoft.com/office/drawing/2010/main" Requires="a14">
+      <mc:AlternateContent xmlns:mc="http://schemas.openxmlformats.org/markup-compatibility/2006" xmlns:a14="http://schemas.microsoft.com/office/drawing/2010/main">
+        <mc:Choice Requires="a14">
           <p:sp>
             <p:nvSpPr>
               <p:cNvPr id="18" name="矩形 17">
@@ -11153,7 +11699,7 @@
             </p:txBody>
           </p:sp>
         </mc:Choice>
-        <mc:Fallback>
+        <mc:Fallback xmlns="">
           <p:sp>
             <p:nvSpPr>
               <p:cNvPr id="18" name="矩形 17">
@@ -11203,8 +11749,8 @@
           </p:sp>
         </mc:Fallback>
       </mc:AlternateContent>
-      <mc:AlternateContent xmlns:mc="http://schemas.openxmlformats.org/markup-compatibility/2006">
-        <mc:Choice xmlns:a14="http://schemas.microsoft.com/office/drawing/2010/main" Requires="a14">
+      <mc:AlternateContent xmlns:mc="http://schemas.openxmlformats.org/markup-compatibility/2006" xmlns:a14="http://schemas.microsoft.com/office/drawing/2010/main">
+        <mc:Choice Requires="a14">
           <p:sp>
             <p:nvSpPr>
               <p:cNvPr id="19" name="矩形 18">
@@ -11295,7 +11841,7 @@
             </p:txBody>
           </p:sp>
         </mc:Choice>
-        <mc:Fallback>
+        <mc:Fallback xmlns="">
           <p:sp>
             <p:nvSpPr>
               <p:cNvPr id="19" name="矩形 18">
@@ -11384,8 +11930,8 @@
           </a:p>
         </p:txBody>
       </p:sp>
-      <mc:AlternateContent xmlns:mc="http://schemas.openxmlformats.org/markup-compatibility/2006">
-        <mc:Choice xmlns:a14="http://schemas.microsoft.com/office/drawing/2010/main" Requires="a14">
+      <mc:AlternateContent xmlns:mc="http://schemas.openxmlformats.org/markup-compatibility/2006" xmlns:a14="http://schemas.microsoft.com/office/drawing/2010/main">
+        <mc:Choice Requires="a14">
           <p:sp>
             <p:nvSpPr>
               <p:cNvPr id="22" name="文本框 21">
@@ -11447,7 +11993,7 @@
             </p:txBody>
           </p:sp>
         </mc:Choice>
-        <mc:Fallback>
+        <mc:Fallback xmlns="">
           <p:sp>
             <p:nvSpPr>
               <p:cNvPr id="22" name="文本框 21">
@@ -11492,8 +12038,8 @@
           </p:sp>
         </mc:Fallback>
       </mc:AlternateContent>
-      <mc:AlternateContent xmlns:mc="http://schemas.openxmlformats.org/markup-compatibility/2006">
-        <mc:Choice xmlns:a14="http://schemas.microsoft.com/office/drawing/2010/main" Requires="a14">
+      <mc:AlternateContent xmlns:mc="http://schemas.openxmlformats.org/markup-compatibility/2006" xmlns:a14="http://schemas.microsoft.com/office/drawing/2010/main">
+        <mc:Choice Requires="a14">
           <p:sp>
             <p:nvSpPr>
               <p:cNvPr id="25" name="文本框 24">
@@ -11555,7 +12101,7 @@
             </p:txBody>
           </p:sp>
         </mc:Choice>
-        <mc:Fallback>
+        <mc:Fallback xmlns="">
           <p:sp>
             <p:nvSpPr>
               <p:cNvPr id="25" name="文本框 24">
@@ -11600,8 +12146,8 @@
           </p:sp>
         </mc:Fallback>
       </mc:AlternateContent>
-      <mc:AlternateContent xmlns:mc="http://schemas.openxmlformats.org/markup-compatibility/2006">
-        <mc:Choice xmlns:a14="http://schemas.microsoft.com/office/drawing/2010/main" Requires="a14">
+      <mc:AlternateContent xmlns:mc="http://schemas.openxmlformats.org/markup-compatibility/2006" xmlns:a14="http://schemas.microsoft.com/office/drawing/2010/main">
+        <mc:Choice Requires="a14">
           <p:sp>
             <p:nvSpPr>
               <p:cNvPr id="26" name="文本框 25">
@@ -11651,7 +12197,7 @@
             </p:txBody>
           </p:sp>
         </mc:Choice>
-        <mc:Fallback>
+        <mc:Fallback xmlns="">
           <p:sp>
             <p:nvSpPr>
               <p:cNvPr id="26" name="文本框 25">
@@ -11696,8 +12242,8 @@
           </p:sp>
         </mc:Fallback>
       </mc:AlternateContent>
-      <mc:AlternateContent xmlns:mc="http://schemas.openxmlformats.org/markup-compatibility/2006">
-        <mc:Choice xmlns:a14="http://schemas.microsoft.com/office/drawing/2010/main" Requires="a14">
+      <mc:AlternateContent xmlns:mc="http://schemas.openxmlformats.org/markup-compatibility/2006" xmlns:a14="http://schemas.microsoft.com/office/drawing/2010/main">
+        <mc:Choice Requires="a14">
           <p:sp>
             <p:nvSpPr>
               <p:cNvPr id="27" name="文本框 26">
@@ -11747,7 +12293,7 @@
             </p:txBody>
           </p:sp>
         </mc:Choice>
-        <mc:Fallback>
+        <mc:Fallback xmlns="">
           <p:sp>
             <p:nvSpPr>
               <p:cNvPr id="27" name="文本框 26">
@@ -11998,7 +12544,6 @@
           </a:bodyPr>
           <a:lstStyle/>
           <a:p>
-            <a:pPr/>
             <a:r>
               <a:rPr lang="en-US" altLang="zh-CN" sz="2311" b="1" dirty="0">
                 <a:latin typeface="Times New Roman" panose="02020603050405020304" pitchFamily="18" charset="0"/>
@@ -12041,7 +12586,6 @@
           </a:bodyPr>
           <a:lstStyle/>
           <a:p>
-            <a:pPr/>
             <a:r>
               <a:rPr lang="en-US" altLang="zh-CN" sz="2311" b="1" dirty="0">
                 <a:latin typeface="Times New Roman" panose="02020603050405020304" pitchFamily="18" charset="0"/>
@@ -12084,7 +12628,6 @@
           </a:bodyPr>
           <a:lstStyle/>
           <a:p>
-            <a:pPr/>
             <a:r>
               <a:rPr lang="en-US" altLang="zh-CN" sz="2311" b="1" dirty="0">
                 <a:latin typeface="Times New Roman" panose="02020603050405020304" pitchFamily="18" charset="0"/>
@@ -12127,7 +12670,6 @@
           </a:bodyPr>
           <a:lstStyle/>
           <a:p>
-            <a:pPr/>
             <a:r>
               <a:rPr lang="en-US" altLang="zh-CN" sz="2311" b="1" dirty="0">
                 <a:latin typeface="Times New Roman" panose="02020603050405020304" pitchFamily="18" charset="0"/>
@@ -12170,7 +12712,6 @@
           </a:bodyPr>
           <a:lstStyle/>
           <a:p>
-            <a:pPr/>
             <a:r>
               <a:rPr lang="en-US" altLang="zh-CN" sz="2311" b="1" dirty="0">
                 <a:latin typeface="Times New Roman" panose="02020603050405020304" pitchFamily="18" charset="0"/>
@@ -12213,7 +12754,6 @@
           </a:bodyPr>
           <a:lstStyle/>
           <a:p>
-            <a:pPr/>
             <a:r>
               <a:rPr lang="en-US" altLang="zh-CN" sz="2311" b="1" dirty="0">
                 <a:latin typeface="Times New Roman" panose="02020603050405020304" pitchFamily="18" charset="0"/>
@@ -12256,7 +12796,6 @@
           </a:bodyPr>
           <a:lstStyle/>
           <a:p>
-            <a:pPr/>
             <a:r>
               <a:rPr lang="en-US" altLang="zh-CN" sz="2311" b="1" dirty="0">
                 <a:latin typeface="Times New Roman" panose="02020603050405020304" pitchFamily="18" charset="0"/>
@@ -12419,7 +12958,6 @@
           </a:bodyPr>
           <a:lstStyle/>
           <a:p>
-            <a:pPr/>
             <a:r>
               <a:rPr lang="en-US" altLang="zh-CN" sz="2311" b="1" dirty="0">
                 <a:latin typeface="Times New Roman" panose="02020603050405020304" pitchFamily="18" charset="0"/>
@@ -12462,7 +13000,6 @@
           </a:bodyPr>
           <a:lstStyle/>
           <a:p>
-            <a:pPr/>
             <a:r>
               <a:rPr lang="en-US" altLang="zh-CN" sz="2311" b="1" dirty="0">
                 <a:latin typeface="Times New Roman" panose="02020603050405020304" pitchFamily="18" charset="0"/>
@@ -12565,7 +13102,6 @@
           </a:bodyPr>
           <a:lstStyle/>
           <a:p>
-            <a:pPr/>
             <a:r>
               <a:rPr lang="en-US" altLang="zh-CN" sz="2311" b="1" dirty="0">
                 <a:latin typeface="Times New Roman" panose="02020603050405020304" pitchFamily="18" charset="0"/>
@@ -12608,7 +13144,6 @@
           </a:bodyPr>
           <a:lstStyle/>
           <a:p>
-            <a:pPr/>
             <a:r>
               <a:rPr lang="en-US" altLang="zh-CN" sz="2311" b="1" dirty="0">
                 <a:latin typeface="Times New Roman" panose="02020603050405020304" pitchFamily="18" charset="0"/>
@@ -12651,7 +13186,6 @@
           </a:bodyPr>
           <a:lstStyle/>
           <a:p>
-            <a:pPr/>
             <a:r>
               <a:rPr lang="en-US" altLang="zh-CN" sz="2311" b="1" dirty="0">
                 <a:latin typeface="Times New Roman" panose="02020603050405020304" pitchFamily="18" charset="0"/>
@@ -14388,7 +14922,6 @@
           </a:bodyPr>
           <a:lstStyle/>
           <a:p>
-            <a:pPr/>
             <a:r>
               <a:rPr lang="en-US" altLang="zh-CN" sz="2311" b="1" dirty="0">
                 <a:latin typeface="Times New Roman" panose="02020603050405020304" pitchFamily="18" charset="0"/>
@@ -14431,7 +14964,6 @@
           </a:bodyPr>
           <a:lstStyle/>
           <a:p>
-            <a:pPr/>
             <a:r>
               <a:rPr lang="en-US" altLang="zh-CN" sz="2311" b="1" dirty="0">
                 <a:latin typeface="Times New Roman" panose="02020603050405020304" pitchFamily="18" charset="0"/>
@@ -14474,7 +15006,6 @@
           </a:bodyPr>
           <a:lstStyle/>
           <a:p>
-            <a:pPr/>
             <a:r>
               <a:rPr lang="en-US" altLang="zh-CN" sz="2311" b="1" dirty="0">
                 <a:latin typeface="Times New Roman" panose="02020603050405020304" pitchFamily="18" charset="0"/>
@@ -14517,7 +15048,6 @@
           </a:bodyPr>
           <a:lstStyle/>
           <a:p>
-            <a:pPr/>
             <a:r>
               <a:rPr lang="en-US" altLang="zh-CN" sz="2311" b="1" dirty="0">
                 <a:latin typeface="Times New Roman" panose="02020603050405020304" pitchFamily="18" charset="0"/>
@@ -14796,7 +15326,32 @@
       </a:bgFillStyleLst>
     </a:fmtScheme>
   </a:themeElements>
-  <a:objectDefaults/>
+  <a:objectDefaults>
+    <a:lnDef>
+      <a:spPr>
+        <a:ln w="12700">
+          <a:prstDash val="lgDashDotDot"/>
+          <a:tailEnd type="triangle"/>
+        </a:ln>
+      </a:spPr>
+      <a:bodyPr/>
+      <a:lstStyle/>
+      <a:style>
+        <a:lnRef idx="1">
+          <a:schemeClr val="dk1"/>
+        </a:lnRef>
+        <a:fillRef idx="0">
+          <a:schemeClr val="dk1"/>
+        </a:fillRef>
+        <a:effectRef idx="0">
+          <a:schemeClr val="dk1"/>
+        </a:effectRef>
+        <a:fontRef idx="minor">
+          <a:schemeClr val="tx1"/>
+        </a:fontRef>
+      </a:style>
+    </a:lnDef>
+  </a:objectDefaults>
   <a:extraClrSchemeLst/>
   <a:extLst>
     <a:ext uri="{05A4C25C-085E-4340-85A3-A5531E510DB2}">
